--- a/Задание 19-21/Задание 19-21.pptx
+++ b/Задание 19-21/Задание 19-21.pptx
@@ -3274,8 +3274,8 @@
           </a:p>
         </p:txBody>
       </p:sp>
-      <mc:AlternateContent xmlns:mc="http://schemas.openxmlformats.org/markup-compatibility/2006">
-        <mc:Choice xmlns:a14="http://schemas.microsoft.com/office/drawing/2010/main" Requires="a14">
+      <mc:AlternateContent xmlns:mc="http://schemas.openxmlformats.org/markup-compatibility/2006" xmlns:a14="http://schemas.microsoft.com/office/drawing/2010/main">
+        <mc:Choice Requires="a14">
           <p:sp>
             <p:nvSpPr>
               <p:cNvPr id="3" name="Объект 2"/>
@@ -3375,13 +3375,7 @@
                       <a:rPr lang="en-US" b="0" i="1" smtClean="0">
                         <a:latin typeface="Cambria Math" panose="02040503050406030204" pitchFamily="18" charset="0"/>
                       </a:rPr>
-                      <m:t>=11,  1</m:t>
-                    </m:r>
-                    <m:r>
-                      <a:rPr lang="en-US" b="0" i="1" smtClean="0">
-                        <a:latin typeface="Cambria Math" panose="02040503050406030204" pitchFamily="18" charset="0"/>
-                      </a:rPr>
-                      <m:t>0</m:t>
+                      <m:t>=11,  10</m:t>
                     </m:r>
                   </m:oMath>
                 </a14:m>
@@ -3434,7 +3428,7 @@
             </p:txBody>
           </p:sp>
         </mc:Choice>
-        <mc:Fallback>
+        <mc:Fallback xmlns="">
           <p:sp>
             <p:nvSpPr>
               <p:cNvPr id="3" name="Объект 2"/>
@@ -4989,11 +4983,7 @@
             </a:r>
             <a:r>
               <a:rPr lang="ru-RU" dirty="0" smtClean="0"/>
-              <a:t>: </a:t>
-            </a:r>
-            <a:r>
-              <a:rPr lang="ru-RU" dirty="0" smtClean="0"/>
-              <a:t>формулировка</a:t>
+              <a:t>: формулировка</a:t>
             </a:r>
             <a:endParaRPr lang="ru-RU" dirty="0"/>
           </a:p>
@@ -5021,39 +5011,23 @@
                 </a:pPr>
                 <a:r>
                   <a:rPr lang="ru-RU" dirty="0" smtClean="0"/>
-                  <a:t>Перед двумя игроками, Петей и Ваней, лежит куча камней. Игроки ходят по очереди; первый ход делает Петя. За один ход каждый игрок может убрать из кучи один камень или уменьшить </a:t>
-                </a:r>
-                <a:r>
-                  <a:rPr lang="ru-RU" dirty="0" smtClean="0"/>
-                  <a:t>количество камней в куче в </a:t>
-                </a:r>
-                <a:r>
-                  <a:rPr lang="ru-RU" dirty="0" smtClean="0"/>
-                  <a:t>два</a:t>
-                </a:r>
-                <a:r>
-                  <a:rPr lang="ru-RU" dirty="0" smtClean="0"/>
-                  <a:t> раза, при этом второй вариант хода </a:t>
-                </a:r>
-                <a:r>
-                  <a:rPr lang="ru-RU" dirty="0" smtClean="0"/>
-                  <a:t>можно применять только к тем кучам, у которых чётное количество камней</a:t>
-                </a:r>
-                <a:r>
-                  <a:rPr lang="ru-RU" dirty="0" smtClean="0"/>
-                  <a:t>. Выигрывает </a:t>
-                </a:r>
-                <a:r>
-                  <a:rPr lang="ru-RU" dirty="0" smtClean="0"/>
-                  <a:t>тот, кто первый получит кучу, в которой будет </a:t>
-                </a:r>
-                <a:r>
-                  <a:rPr lang="ru-RU" dirty="0" smtClean="0"/>
-                  <a:t>не более 10 камней. В </a:t>
-                </a:r>
-                <a:r>
-                  <a:rPr lang="ru-RU" dirty="0" smtClean="0"/>
-                  <a:t>начальный момент в куче было </a:t>
+                  <a:t>Перед двумя игроками, Петей и Ваней, лежит куча камней. Игроки ходят по очереди; первый ход делает Петя. За один ход каждый игрок может убрать из кучи один камень или уменьшить количество камней в куче в два раза, </a:t>
+                </a:r>
+                <a:r>
+                  <a:rPr lang="ru-RU" dirty="0" smtClean="0"/>
+                  <a:t>причём </a:t>
+                </a:r>
+                <a:r>
+                  <a:rPr lang="ru-RU" dirty="0" smtClean="0"/>
+                  <a:t>второй вариант хода </a:t>
+                </a:r>
+                <a:r>
+                  <a:rPr lang="ru-RU" dirty="0" smtClean="0"/>
+                  <a:t>возможен только в случае, когда в куче чётное количество камней. </a:t>
+                </a:r>
+                <a:r>
+                  <a:rPr lang="ru-RU" dirty="0" smtClean="0"/>
+                  <a:t>Выигрывает тот, кто первый получит кучу, в которой будет не более 10 камней. В начальный момент в куче было </a:t>
                 </a:r>
                 <a14:m>
                   <m:oMath xmlns:m="http://schemas.openxmlformats.org/officeDocument/2006/math">
@@ -5113,7 +5087,7 @@
               <a:blipFill>
                 <a:blip r:embed="rId2"/>
                 <a:stretch>
-                  <a:fillRect l="-1217" t="-2241" r="-1507"/>
+                  <a:fillRect l="-1217" t="-2241" r="-1101"/>
                 </a:stretch>
               </a:blipFill>
             </p:spPr>
@@ -5179,15 +5153,7 @@
           <a:p>
             <a:r>
               <a:rPr lang="ru-RU" dirty="0" smtClean="0"/>
-              <a:t>Задача </a:t>
-            </a:r>
-            <a:r>
-              <a:rPr lang="ru-RU" dirty="0" smtClean="0"/>
-              <a:t>7: </a:t>
-            </a:r>
-            <a:r>
-              <a:rPr lang="ru-RU" dirty="0" smtClean="0"/>
-              <a:t>вопрос 1</a:t>
+              <a:t>Задача 7: вопрос 1</a:t>
             </a:r>
             <a:endParaRPr lang="ru-RU" dirty="0"/>
           </a:p>
@@ -5346,15 +5312,7 @@
           <a:p>
             <a:r>
               <a:rPr lang="ru-RU" dirty="0" smtClean="0"/>
-              <a:t>Задача </a:t>
-            </a:r>
-            <a:r>
-              <a:rPr lang="ru-RU" dirty="0" smtClean="0"/>
-              <a:t>7: </a:t>
-            </a:r>
-            <a:r>
-              <a:rPr lang="ru-RU" dirty="0" smtClean="0"/>
-              <a:t>вопрос 2</a:t>
+              <a:t>Задача 7: вопрос 2</a:t>
             </a:r>
             <a:endParaRPr lang="ru-RU" dirty="0"/>
           </a:p>
@@ -5519,15 +5477,7 @@
           <a:p>
             <a:r>
               <a:rPr lang="ru-RU" dirty="0" smtClean="0"/>
-              <a:t>Задача </a:t>
-            </a:r>
-            <a:r>
-              <a:rPr lang="ru-RU" dirty="0" smtClean="0"/>
-              <a:t>7: </a:t>
-            </a:r>
-            <a:r>
-              <a:rPr lang="ru-RU" dirty="0" smtClean="0"/>
-              <a:t>вопрос 3</a:t>
+              <a:t>Задача 7: вопрос 3</a:t>
             </a:r>
             <a:endParaRPr lang="ru-RU" dirty="0"/>
           </a:p>
